--- a/papers/Presentations/GT ACAI 17/GT.pptx
+++ b/papers/Presentations/GT ACAI 17/GT.pptx
@@ -11410,8 +11410,8 @@
         </p:nvSpPr>
         <p:spPr>
           <a:xfrm>
-            <a:off x="680655" y="3807911"/>
-            <a:ext cx="7848872" cy="2554545"/>
+            <a:off x="529208" y="3843914"/>
+            <a:ext cx="8006145" cy="1815882"/>
           </a:xfrm>
           <a:prstGeom prst="rect">
             <a:avLst/>
@@ -11446,7 +11446,7 @@
             </a:r>
             <a:r>
               <a:rPr lang="fr-FR" sz="2800" b="1" dirty="0"/>
-              <a:t>pouvoirs </a:t>
+              <a:t>pouvoir </a:t>
             </a:r>
             <a:r>
               <a:rPr lang="fr-FR" sz="2400" i="1" dirty="0"/>
